--- a/_site/slides/week03/lab.pptx
+++ b/_site/slides/week03/lab.pptx
@@ -4992,7 +4992,7 @@
           <p:cNvPr id="2" name="Title 1">
             <a:extLst>
               <a:ext uri="{FF2B5EF4-FFF2-40B4-BE49-F238E27FC236}">
-                <a16:creationId xmlns:a16="http://schemas.microsoft.com/office/drawing/2014/main" id="{DD9B8E45-0772-954C-8D4B-6E6808DFEDED}"/>
+                <a16:creationId xmlns:a16="http://schemas.microsoft.com/office/drawing/2014/main" id="{F3186003-B489-CA46-A95C-C1AECC0CA4D3}"/>
               </a:ext>
             </a:extLst>
           </p:cNvPr>
@@ -5005,8 +5005,8 @@
         </p:nvSpPr>
         <p:spPr>
           <a:xfrm>
-            <a:off x="838200" y="365129"/>
-            <a:ext cx="10002520" cy="1325563"/>
+            <a:off x="839788" y="457200"/>
+            <a:ext cx="3932237" cy="1600200"/>
           </a:xfrm>
           <a:prstGeom prst="rect">
             <a:avLst/>
@@ -5021,25 +5021,25 @@
             </a:pPr>
             <a:r>
               <a:rPr/>
-              <a:t>Overview of Lab XX</a:t>
-            </a:r>
-          </a:p>
-        </p:txBody>
-      </p:sp>
-      <p:sp>
-        <p:nvSpPr>
-          <p:cNvPr id="3" name="Content Placeholder 2">
-            <a:extLst>
-              <a:ext uri="{FF2B5EF4-FFF2-40B4-BE49-F238E27FC236}">
-                <a16:creationId xmlns:a16="http://schemas.microsoft.com/office/drawing/2014/main" id="{A4EB24F9-04F1-C843-9D71-56C5C024552B}"/>
-              </a:ext>
-            </a:extLst>
-          </p:cNvPr>
-          <p:cNvSpPr>
-            <a:spLocks noGrp="1"/>
-          </p:cNvSpPr>
-          <p:nvPr>
-            <p:ph idx="1"/>
+              <a:t>Overview of Lab 03</a:t>
+            </a:r>
+          </a:p>
+        </p:txBody>
+      </p:sp>
+      <p:sp>
+        <p:nvSpPr>
+          <p:cNvPr id="4" name="Text Placeholder 3">
+            <a:extLst>
+              <a:ext uri="{FF2B5EF4-FFF2-40B4-BE49-F238E27FC236}">
+                <a16:creationId xmlns:a16="http://schemas.microsoft.com/office/drawing/2014/main" id="{898BA411-2A54-A94A-B3FC-826281DBEADF}"/>
+              </a:ext>
+            </a:extLst>
+          </p:cNvPr>
+          <p:cNvSpPr>
+            <a:spLocks noGrp="1"/>
+          </p:cNvSpPr>
+          <p:nvPr>
+            <p:ph idx="2" sz="half" type="body"/>
           </p:nvPr>
         </p:nvSpPr>
         <p:spPr/>
@@ -5047,12 +5047,17 @@
           <a:bodyPr/>
           <a:lstStyle/>
           <a:p>
-            <a:pPr lvl="0" indent="0" marL="0">
+            <a:pPr lvl="0" indent="0" marL="1270000">
               <a:buNone/>
             </a:pPr>
-            <a:r>
-              <a:rPr/>
-              <a:t>The objective of today is to immerse yourself in the Research Methods of your Critical Proposal Target Paper</a:t>
+          </a:p>
+          <a:p>
+            <a:pPr lvl="0" indent="0" marL="1270000">
+              <a:buNone/>
+            </a:pPr>
+            <a:r>
+              <a:rPr sz="2000"/>
+              <a:t>The objective of today is to immerse yourself in the ‘Research Methods’ of your Critical Proposal Target Paper</a:t>
             </a:r>
           </a:p>
           <a:p>
@@ -5082,7 +5087,25 @@
             </a:pPr>
             <a:r>
               <a:rPr/>
-              <a:t>• Being able to read a single paper carefully and critically is an important skill • Being able to synthesise multiple papers and appreciate similarities and differences • Building on this effort to identify ‘gaps’ or ways to build on strengths</a:t>
+              <a:t>• Being able to read a single paper carefully and critically is an important skill</a:t>
+            </a:r>
+          </a:p>
+          <a:p>
+            <a:pPr lvl="0" indent="0" marL="0">
+              <a:buNone/>
+            </a:pPr>
+            <a:r>
+              <a:rPr/>
+              <a:t>• Being able to synthesise multiple papers and appreciate similarities and differences is crucial</a:t>
+            </a:r>
+          </a:p>
+          <a:p>
+            <a:pPr lvl="0" indent="0" marL="0">
+              <a:buNone/>
+            </a:pPr>
+            <a:r>
+              <a:rPr/>
+              <a:t>• Building on this effort to identify ‘gaps’ or ways to build on strengths</a:t>
             </a:r>
           </a:p>
           <a:p>
@@ -5094,11 +5117,166 @@
             </a:pPr>
             <a:r>
               <a:rPr b="1"/>
-              <a:t>Methods section</a:t>
-            </a:r>
-          </a:p>
-        </p:txBody>
-      </p:sp>
+              <a:t>Today</a:t>
+            </a:r>
+          </a:p>
+          <a:p>
+            <a:pPr lvl="0" indent="0" marL="1270000">
+              <a:buNone/>
+            </a:pPr>
+          </a:p>
+          <a:p>
+            <a:pPr lvl="0" indent="0" marL="1270000">
+              <a:buNone/>
+            </a:pPr>
+            <a:r>
+              <a:rPr sz="2000" b="1"/>
+              <a:t>Think more carefully about each of the following aspects and jot down some ideas for your Critical Proposal:</a:t>
+            </a:r>
+          </a:p>
+          <a:p>
+            <a:pPr lvl="0" indent="0" marL="1270000">
+              <a:buNone/>
+            </a:pPr>
+            <a:r>
+              <a:rPr sz="2000"/>
+              <a:t>1. Design of the study</a:t>
+            </a:r>
+          </a:p>
+          <a:p>
+            <a:pPr lvl="0" indent="0" marL="1270000">
+              <a:buNone/>
+            </a:pPr>
+            <a:r>
+              <a:rPr sz="2000"/>
+              <a:t>2. Participants and recruitment</a:t>
+            </a:r>
+          </a:p>
+          <a:p>
+            <a:pPr lvl="0" indent="0" marL="1270000">
+              <a:buNone/>
+            </a:pPr>
+            <a:r>
+              <a:rPr sz="2000"/>
+              <a:t>3. Materials</a:t>
+            </a:r>
+          </a:p>
+          <a:p>
+            <a:pPr lvl="0" indent="0" marL="1270000">
+              <a:buNone/>
+            </a:pPr>
+            <a:r>
+              <a:rPr sz="2000"/>
+              <a:t>4. Procedure</a:t>
+            </a:r>
+          </a:p>
+          <a:p>
+            <a:pPr lvl="0" indent="0" marL="1270000">
+              <a:buNone/>
+            </a:pPr>
+            <a:r>
+              <a:rPr sz="2000" b="1"/>
+              <a:t>And you will need to identify an Effect Size (again) - why not highlight it now!</a:t>
+            </a:r>
+          </a:p>
+          <a:p>
+            <a:pPr lvl="0" indent="0" marL="0">
+              <a:spcBef>
+                <a:spcPts val="3000"/>
+              </a:spcBef>
+              <a:buNone/>
+            </a:pPr>
+            <a:r>
+              <a:rPr b="1"/>
+              <a:t>Remember</a:t>
+            </a:r>
+          </a:p>
+          <a:p>
+            <a:pPr lvl="0" indent="0" marL="1270000">
+              <a:buNone/>
+            </a:pPr>
+          </a:p>
+          <a:p>
+            <a:pPr lvl="0" indent="0" marL="1270000">
+              <a:buNone/>
+            </a:pPr>
+            <a:r>
+              <a:rPr sz="2000"/>
+              <a:t>You can show your Lab Tutor the paper you propose to use for your Critical Proposal… DO SO!</a:t>
+            </a:r>
+          </a:p>
+          <a:p>
+            <a:pPr lvl="0" indent="0" marL="0">
+              <a:buNone/>
+            </a:pPr>
+            <a:r>
+              <a:rPr/>
+              <a:t>It needs to be a peer-reviewed empirical paper from the Psychology literature that presents a quantitative study, includes methods (Design, Participants, Materials) and analyses the data. Failure to follow these rules will impact your mark.</a:t>
+            </a:r>
+          </a:p>
+          <a:p>
+            <a:pPr lvl="0" indent="0" marL="0">
+              <a:spcBef>
+                <a:spcPts val="3000"/>
+              </a:spcBef>
+              <a:buNone/>
+            </a:pPr>
+            <a:r>
+              <a:rPr b="1"/>
+              <a:t>Design Schematic</a:t>
+            </a:r>
+          </a:p>
+          <a:p>
+            <a:pPr lvl="0" indent="0" marL="0">
+              <a:buNone/>
+            </a:pPr>
+            <a:r>
+              <a:rPr/>
+              <a:t>You will be required to complete elements of this diagram and include it in your Critical Proposal. How much of it could you think about completing now? (The template can be downloaded on the VLE in the Coursework Information section, and edited at </a:t>
+            </a:r>
+            <a:r>
+              <a:rPr>
+                <a:hlinkClick r:id="rId2"/>
+              </a:rPr>
+              <a:t>www.draw.io</a:t>
+            </a:r>
+            <a:r>
+              <a:rPr/>
+              <a:t>)</a:t>
+            </a:r>
+          </a:p>
+        </p:txBody>
+      </p:sp>
+      <p:pic>
+        <p:nvPicPr>
+          <p:cNvPr descr="images/Thisismydesign.drawio-02.png" id="0" name="Picture 1"/>
+          <p:cNvPicPr>
+            <a:picLocks noGrp="1" noChangeAspect="1"/>
+          </p:cNvPicPr>
+          <p:nvPr/>
+        </p:nvPicPr>
+        <p:blipFill>
+          <a:blip r:embed="rId3"/>
+          <a:stretch>
+            <a:fillRect/>
+          </a:stretch>
+        </p:blipFill>
+        <p:spPr bwMode="auto">
+          <a:xfrm>
+            <a:off x="5181600" y="1384300"/>
+            <a:ext cx="6172200" cy="4051300"/>
+          </a:xfrm>
+          <a:prstGeom prst="rect">
+            <a:avLst/>
+          </a:prstGeom>
+          <a:noFill/>
+          <a:ln w="9525">
+            <a:noFill/>
+            <a:headEnd/>
+            <a:tailEnd/>
+          </a:ln>
+        </p:spPr>
+      </p:pic>
     </p:spTree>
   </p:cSld>
 </p:sld>

--- a/_site/slides/week03/lab.pptx
+++ b/_site/slides/week03/lab.pptx
@@ -5050,10 +5050,6 @@
             <a:pPr lvl="0" indent="0" marL="1270000">
               <a:buNone/>
             </a:pPr>
-            <a:r>
-              <a:rPr sz="2000" b="1"/>
-              <a:t>Note</a:t>
-            </a:r>
           </a:p>
           <a:p>
             <a:pPr lvl="0" indent="0" marL="1270000">
@@ -5128,10 +5124,6 @@
             <a:pPr lvl="0" indent="0" marL="1270000">
               <a:buNone/>
             </a:pPr>
-            <a:r>
-              <a:rPr sz="2000" b="1"/>
-              <a:t>Note</a:t>
-            </a:r>
           </a:p>
           <a:p>
             <a:pPr lvl="0" indent="0" marL="1270000">
@@ -5203,10 +5195,6 @@
             <a:pPr lvl="0" indent="0" marL="1270000">
               <a:buNone/>
             </a:pPr>
-            <a:r>
-              <a:rPr sz="2000" b="1"/>
-              <a:t>Tip</a:t>
-            </a:r>
           </a:p>
           <a:p>
             <a:pPr lvl="0" indent="0" marL="1270000">

--- a/_site/slides/week03/lab.pptx
+++ b/_site/slides/week03/lab.pptx
@@ -5050,6 +5050,10 @@
             <a:pPr lvl="0" indent="0" marL="1270000">
               <a:buNone/>
             </a:pPr>
+            <a:r>
+              <a:rPr sz="2000" b="1"/>
+              <a:t>Note</a:t>
+            </a:r>
           </a:p>
           <a:p>
             <a:pPr lvl="0" indent="0" marL="1270000">
@@ -5124,6 +5128,10 @@
             <a:pPr lvl="0" indent="0" marL="1270000">
               <a:buNone/>
             </a:pPr>
+            <a:r>
+              <a:rPr sz="2000" b="1"/>
+              <a:t>Note</a:t>
+            </a:r>
           </a:p>
           <a:p>
             <a:pPr lvl="0" indent="0" marL="1270000">
@@ -5195,6 +5203,10 @@
             <a:pPr lvl="0" indent="0" marL="1270000">
               <a:buNone/>
             </a:pPr>
+            <a:r>
+              <a:rPr sz="2000" b="1"/>
+              <a:t>Tip</a:t>
+            </a:r>
           </a:p>
           <a:p>
             <a:pPr lvl="0" indent="0" marL="1270000">
